--- a/job-requirements/Eventhub_v2.pptx
+++ b/job-requirements/Eventhub_v2.pptx
@@ -110,6 +110,11 @@
       </a:defRPr>
     </a:lvl9pPr>
   </p:defaultTextStyle>
+  <p:extLst>
+    <p:ext uri="{EFAFB233-063F-42B5-8137-9DF3F51BA10A}">
+      <p15:sldGuideLst xmlns:p15="http://schemas.microsoft.com/office/powerpoint/2012/main"/>
+    </p:ext>
+  </p:extLst>
 </p:presentation>
 </file>
 
@@ -260,7 +265,7 @@
           <a:p>
             <a:fld id="{10F919EF-C87A-4A7E-B9A8-91E8B6A5FC26}" type="datetimeFigureOut">
               <a:rPr lang="ru-RU" smtClean="0"/>
-              <a:t>19.05.2025</a:t>
+              <a:t>20.05.2025</a:t>
             </a:fld>
             <a:endParaRPr lang="ru-RU"/>
           </a:p>
@@ -458,7 +463,7 @@
           <a:p>
             <a:fld id="{10F919EF-C87A-4A7E-B9A8-91E8B6A5FC26}" type="datetimeFigureOut">
               <a:rPr lang="ru-RU" smtClean="0"/>
-              <a:t>19.05.2025</a:t>
+              <a:t>20.05.2025</a:t>
             </a:fld>
             <a:endParaRPr lang="ru-RU"/>
           </a:p>
@@ -666,7 +671,7 @@
           <a:p>
             <a:fld id="{10F919EF-C87A-4A7E-B9A8-91E8B6A5FC26}" type="datetimeFigureOut">
               <a:rPr lang="ru-RU" smtClean="0"/>
-              <a:t>19.05.2025</a:t>
+              <a:t>20.05.2025</a:t>
             </a:fld>
             <a:endParaRPr lang="ru-RU"/>
           </a:p>
@@ -864,7 +869,7 @@
           <a:p>
             <a:fld id="{10F919EF-C87A-4A7E-B9A8-91E8B6A5FC26}" type="datetimeFigureOut">
               <a:rPr lang="ru-RU" smtClean="0"/>
-              <a:t>19.05.2025</a:t>
+              <a:t>20.05.2025</a:t>
             </a:fld>
             <a:endParaRPr lang="ru-RU"/>
           </a:p>
@@ -1139,7 +1144,7 @@
           <a:p>
             <a:fld id="{10F919EF-C87A-4A7E-B9A8-91E8B6A5FC26}" type="datetimeFigureOut">
               <a:rPr lang="ru-RU" smtClean="0"/>
-              <a:t>19.05.2025</a:t>
+              <a:t>20.05.2025</a:t>
             </a:fld>
             <a:endParaRPr lang="ru-RU"/>
           </a:p>
@@ -1404,7 +1409,7 @@
           <a:p>
             <a:fld id="{10F919EF-C87A-4A7E-B9A8-91E8B6A5FC26}" type="datetimeFigureOut">
               <a:rPr lang="ru-RU" smtClean="0"/>
-              <a:t>19.05.2025</a:t>
+              <a:t>20.05.2025</a:t>
             </a:fld>
             <a:endParaRPr lang="ru-RU"/>
           </a:p>
@@ -1816,7 +1821,7 @@
           <a:p>
             <a:fld id="{10F919EF-C87A-4A7E-B9A8-91E8B6A5FC26}" type="datetimeFigureOut">
               <a:rPr lang="ru-RU" smtClean="0"/>
-              <a:t>19.05.2025</a:t>
+              <a:t>20.05.2025</a:t>
             </a:fld>
             <a:endParaRPr lang="ru-RU"/>
           </a:p>
@@ -1957,7 +1962,7 @@
           <a:p>
             <a:fld id="{10F919EF-C87A-4A7E-B9A8-91E8B6A5FC26}" type="datetimeFigureOut">
               <a:rPr lang="ru-RU" smtClean="0"/>
-              <a:t>19.05.2025</a:t>
+              <a:t>20.05.2025</a:t>
             </a:fld>
             <a:endParaRPr lang="ru-RU"/>
           </a:p>
@@ -2070,7 +2075,7 @@
           <a:p>
             <a:fld id="{10F919EF-C87A-4A7E-B9A8-91E8B6A5FC26}" type="datetimeFigureOut">
               <a:rPr lang="ru-RU" smtClean="0"/>
-              <a:t>19.05.2025</a:t>
+              <a:t>20.05.2025</a:t>
             </a:fld>
             <a:endParaRPr lang="ru-RU"/>
           </a:p>
@@ -2381,7 +2386,7 @@
           <a:p>
             <a:fld id="{10F919EF-C87A-4A7E-B9A8-91E8B6A5FC26}" type="datetimeFigureOut">
               <a:rPr lang="ru-RU" smtClean="0"/>
-              <a:t>19.05.2025</a:t>
+              <a:t>20.05.2025</a:t>
             </a:fld>
             <a:endParaRPr lang="ru-RU"/>
           </a:p>
@@ -2669,7 +2674,7 @@
           <a:p>
             <a:fld id="{10F919EF-C87A-4A7E-B9A8-91E8B6A5FC26}" type="datetimeFigureOut">
               <a:rPr lang="ru-RU" smtClean="0"/>
-              <a:t>19.05.2025</a:t>
+              <a:t>20.05.2025</a:t>
             </a:fld>
             <a:endParaRPr lang="ru-RU"/>
           </a:p>
@@ -2913,7 +2918,7 @@
           <a:p>
             <a:fld id="{10F919EF-C87A-4A7E-B9A8-91E8B6A5FC26}" type="datetimeFigureOut">
               <a:rPr lang="ru-RU" smtClean="0"/>
-              <a:t>19.05.2025</a:t>
+              <a:t>20.05.2025</a:t>
             </a:fld>
             <a:endParaRPr lang="ru-RU"/>
           </a:p>

--- a/job-requirements/Eventhub_v2.pptx
+++ b/job-requirements/Eventhub_v2.pptx
@@ -4093,8 +4093,21 @@
                   <a:srgbClr val="2966EF"/>
                 </a:solidFill>
               </a:rPr>
-              <a:t>Видео – </a:t>
-            </a:r>
+              <a:t>Видео </a:t>
+            </a:r>
+            <a:r>
+              <a:rPr lang="en-US" dirty="0">
+                <a:solidFill>
+                  <a:srgbClr val="2966EF"/>
+                </a:solidFill>
+              </a:rPr>
+              <a:t>– https://rutube.ru/video/private/e2d6016b7accd64e9875485f5945b82b/?p=HXhSX-BX0UhPAAVDwQ8JoA</a:t>
+            </a:r>
+            <a:endParaRPr lang="ru-RU" dirty="0">
+              <a:solidFill>
+                <a:srgbClr val="2966EF"/>
+              </a:solidFill>
+            </a:endParaRPr>
           </a:p>
           <a:p>
             <a:endParaRPr lang="ru-RU" dirty="0"/>

--- a/job-requirements/Eventhub_v2.pptx
+++ b/job-requirements/Eventhub_v2.pptx
@@ -4101,15 +4101,8 @@
                   <a:srgbClr val="2966EF"/>
                 </a:solidFill>
               </a:rPr>
-              <a:t>– https://rutube.ru/video/private/e2d6016b7accd64e9875485f5945b82b/?p=HXhSX-BX0UhPAAVDwQ8JoA</a:t>
-            </a:r>
-            <a:endParaRPr lang="ru-RU" dirty="0">
-              <a:solidFill>
-                <a:srgbClr val="2966EF"/>
-              </a:solidFill>
-            </a:endParaRPr>
-          </a:p>
-          <a:p>
+              <a:t>– https://rutube.ru/video/e2d6016b7accd64e9875485f5945b82b/</a:t>
+            </a:r>
             <a:endParaRPr lang="ru-RU" dirty="0"/>
           </a:p>
         </p:txBody>
